--- a/public/ppt/深入理解HTTP缓存机制及原理.pptx
+++ b/public/ppt/深入理解HTTP缓存机制及原理.pptx
@@ -2125,15 +2125,7 @@
                 <a:cs typeface="Arial Bold" panose="020B0604020202090204" charset="0"/>
                 <a:sym typeface="+mn-ea"/>
               </a:rPr>
-              <a:t>比如，有些代理为了节省缓存空间或者节约流量，会对图像格式进行转换，加上</a:t>
-            </a:r>
-            <a:r>
-              <a:rPr lang="zh-CN" altLang="en-US">
-                <a:latin typeface="Arial Bold" panose="020B0604020202090204" charset="0"/>
-                <a:cs typeface="Arial Bold" panose="020B0604020202090204" charset="0"/>
-                <a:sym typeface="+mn-ea"/>
-              </a:rPr>
-              <a:t>no-transform指令就表示不允许这样做。</a:t>
+              <a:t>比如，有些代理为了节省缓存空间或者节约流量，会对图像格式进行转换，加上no-transform指令就表示不允许这样做。</a:t>
             </a:r>
             <a:endParaRPr lang="zh-CN" altLang="en-US">
               <a:latin typeface="Arial Bold" panose="020B0604020202090204" charset="0"/>
@@ -2848,19 +2840,7 @@
               <a:rPr lang="zh-CN" altLang="en-US">
                 <a:sym typeface="+mn-ea"/>
               </a:rPr>
-              <a:t>如果If-Modified-Since的时间小于服务器中这个资源的最后修改时间，说明文件有更新，于是返回</a:t>
-            </a:r>
-            <a:r>
-              <a:rPr lang="zh-CN" altLang="en-US">
-                <a:sym typeface="+mn-ea"/>
-              </a:rPr>
-              <a:t>200和</a:t>
-            </a:r>
-            <a:r>
-              <a:rPr lang="zh-CN" altLang="en-US">
-                <a:sym typeface="+mn-ea"/>
-              </a:rPr>
-              <a:t>新的资源。</a:t>
+              <a:t>如果If-Modified-Since的时间小于服务器中这个资源的最后修改时间，说明文件有更新，于是返回200和新的资源。</a:t>
             </a:r>
             <a:endParaRPr lang="zh-CN" altLang="en-US"/>
           </a:p>
@@ -31493,7 +31473,7 @@
         <p:spPr>
           <a:xfrm>
             <a:off x="4164330" y="1476375"/>
-            <a:ext cx="6048375" cy="1583055"/>
+            <a:ext cx="6120000" cy="1583055"/>
           </a:xfrm>
         </p:spPr>
         <p:txBody>
@@ -45155,7 +45135,6 @@
             <a:pPr algn="ctr"/>
             <a:r>
               <a:rPr lang="zh-CN" altLang="en-US">
-                <a:ln/>
                 <a:solidFill>
                   <a:schemeClr val="accent4"/>
                 </a:solidFill>
@@ -45163,7 +45142,6 @@
               <a:t>否</a:t>
             </a:r>
             <a:endParaRPr lang="zh-CN" altLang="en-US">
-              <a:ln/>
               <a:solidFill>
                 <a:schemeClr val="accent4"/>
               </a:solidFill>
